--- a/images/favicon/favicon.pptx
+++ b/images/favicon/favicon.pptx
@@ -104,6 +104,11 @@
       </a:defRPr>
     </a:lvl9pPr>
   </p:defaultTextStyle>
+  <p:extLst>
+    <p:ext uri="{EFAFB233-063F-42B5-8137-9DF3F51BA10A}">
+      <p15:sldGuideLst xmlns:p15="http://schemas.microsoft.com/office/powerpoint/2012/main"/>
+    </p:ext>
+  </p:extLst>
 </p:presentation>
 </file>
 
@@ -149,10 +154,9 @@
           </a:lstStyle>
           <a:p>
             <a:r>
-              <a:rPr lang="en-US" smtClean="0"/>
+              <a:rPr lang="en-US"/>
               <a:t>Click to edit Master title style</a:t>
             </a:r>
-            <a:endParaRPr lang="en-US"/>
           </a:p>
         </p:txBody>
       </p:sp>
@@ -214,10 +218,9 @@
           </a:lstStyle>
           <a:p>
             <a:r>
-              <a:rPr lang="en-US" smtClean="0"/>
+              <a:rPr lang="en-US"/>
               <a:t>Click to edit Master subtitle style</a:t>
             </a:r>
-            <a:endParaRPr lang="en-US"/>
           </a:p>
         </p:txBody>
       </p:sp>
@@ -332,10 +335,9 @@
           <a:lstStyle/>
           <a:p>
             <a:r>
-              <a:rPr lang="en-US" smtClean="0"/>
+              <a:rPr lang="en-US"/>
               <a:t>Click to edit Master title style</a:t>
             </a:r>
-            <a:endParaRPr lang="en-US"/>
           </a:p>
         </p:txBody>
       </p:sp>
@@ -356,38 +358,37 @@
           <a:p>
             <a:pPr lvl="0"/>
             <a:r>
-              <a:rPr lang="en-US" smtClean="0"/>
+              <a:rPr lang="en-US"/>
               <a:t>Edit Master text styles</a:t>
             </a:r>
           </a:p>
           <a:p>
             <a:pPr lvl="1"/>
             <a:r>
-              <a:rPr lang="en-US" smtClean="0"/>
+              <a:rPr lang="en-US"/>
               <a:t>Second level</a:t>
             </a:r>
           </a:p>
           <a:p>
             <a:pPr lvl="2"/>
             <a:r>
-              <a:rPr lang="en-US" smtClean="0"/>
+              <a:rPr lang="en-US"/>
               <a:t>Third level</a:t>
             </a:r>
           </a:p>
           <a:p>
             <a:pPr lvl="3"/>
             <a:r>
-              <a:rPr lang="en-US" smtClean="0"/>
+              <a:rPr lang="en-US"/>
               <a:t>Fourth level</a:t>
             </a:r>
           </a:p>
           <a:p>
             <a:pPr lvl="4"/>
             <a:r>
-              <a:rPr lang="en-US" smtClean="0"/>
+              <a:rPr lang="en-US"/>
               <a:t>Fifth level</a:t>
             </a:r>
-            <a:endParaRPr lang="en-US"/>
           </a:p>
         </p:txBody>
       </p:sp>
@@ -507,10 +508,9 @@
           <a:lstStyle/>
           <a:p>
             <a:r>
-              <a:rPr lang="en-US" smtClean="0"/>
+              <a:rPr lang="en-US"/>
               <a:t>Click to edit Master title style</a:t>
             </a:r>
-            <a:endParaRPr lang="en-US"/>
           </a:p>
         </p:txBody>
       </p:sp>
@@ -536,38 +536,37 @@
           <a:p>
             <a:pPr lvl="0"/>
             <a:r>
-              <a:rPr lang="en-US" smtClean="0"/>
+              <a:rPr lang="en-US"/>
               <a:t>Edit Master text styles</a:t>
             </a:r>
           </a:p>
           <a:p>
             <a:pPr lvl="1"/>
             <a:r>
-              <a:rPr lang="en-US" smtClean="0"/>
+              <a:rPr lang="en-US"/>
               <a:t>Second level</a:t>
             </a:r>
           </a:p>
           <a:p>
             <a:pPr lvl="2"/>
             <a:r>
-              <a:rPr lang="en-US" smtClean="0"/>
+              <a:rPr lang="en-US"/>
               <a:t>Third level</a:t>
             </a:r>
           </a:p>
           <a:p>
             <a:pPr lvl="3"/>
             <a:r>
-              <a:rPr lang="en-US" smtClean="0"/>
+              <a:rPr lang="en-US"/>
               <a:t>Fourth level</a:t>
             </a:r>
           </a:p>
           <a:p>
             <a:pPr lvl="4"/>
             <a:r>
-              <a:rPr lang="en-US" smtClean="0"/>
+              <a:rPr lang="en-US"/>
               <a:t>Fifth level</a:t>
             </a:r>
-            <a:endParaRPr lang="en-US"/>
           </a:p>
         </p:txBody>
       </p:sp>
@@ -682,10 +681,9 @@
           <a:lstStyle/>
           <a:p>
             <a:r>
-              <a:rPr lang="en-US" smtClean="0"/>
+              <a:rPr lang="en-US"/>
               <a:t>Click to edit Master title style</a:t>
             </a:r>
-            <a:endParaRPr lang="en-US"/>
           </a:p>
         </p:txBody>
       </p:sp>
@@ -706,38 +704,37 @@
           <a:p>
             <a:pPr lvl="0"/>
             <a:r>
-              <a:rPr lang="en-US" smtClean="0"/>
+              <a:rPr lang="en-US"/>
               <a:t>Edit Master text styles</a:t>
             </a:r>
           </a:p>
           <a:p>
             <a:pPr lvl="1"/>
             <a:r>
-              <a:rPr lang="en-US" smtClean="0"/>
+              <a:rPr lang="en-US"/>
               <a:t>Second level</a:t>
             </a:r>
           </a:p>
           <a:p>
             <a:pPr lvl="2"/>
             <a:r>
-              <a:rPr lang="en-US" smtClean="0"/>
+              <a:rPr lang="en-US"/>
               <a:t>Third level</a:t>
             </a:r>
           </a:p>
           <a:p>
             <a:pPr lvl="3"/>
             <a:r>
-              <a:rPr lang="en-US" smtClean="0"/>
+              <a:rPr lang="en-US"/>
               <a:t>Fourth level</a:t>
             </a:r>
           </a:p>
           <a:p>
             <a:pPr lvl="4"/>
             <a:r>
-              <a:rPr lang="en-US" smtClean="0"/>
+              <a:rPr lang="en-US"/>
               <a:t>Fifth level</a:t>
             </a:r>
-            <a:endParaRPr lang="en-US"/>
           </a:p>
         </p:txBody>
       </p:sp>
@@ -861,10 +858,9 @@
           </a:lstStyle>
           <a:p>
             <a:r>
-              <a:rPr lang="en-US" smtClean="0"/>
+              <a:rPr lang="en-US"/>
               <a:t>Click to edit Master title style</a:t>
             </a:r>
-            <a:endParaRPr lang="en-US"/>
           </a:p>
         </p:txBody>
       </p:sp>
@@ -981,7 +977,7 @@
           <a:p>
             <a:pPr lvl="0"/>
             <a:r>
-              <a:rPr lang="en-US" smtClean="0"/>
+              <a:rPr lang="en-US"/>
               <a:t>Edit Master text styles</a:t>
             </a:r>
           </a:p>
@@ -1098,10 +1094,9 @@
           <a:lstStyle/>
           <a:p>
             <a:r>
-              <a:rPr lang="en-US" smtClean="0"/>
+              <a:rPr lang="en-US"/>
               <a:t>Click to edit Master title style</a:t>
             </a:r>
-            <a:endParaRPr lang="en-US"/>
           </a:p>
         </p:txBody>
       </p:sp>
@@ -1127,38 +1122,37 @@
           <a:p>
             <a:pPr lvl="0"/>
             <a:r>
-              <a:rPr lang="en-US" smtClean="0"/>
+              <a:rPr lang="en-US"/>
               <a:t>Edit Master text styles</a:t>
             </a:r>
           </a:p>
           <a:p>
             <a:pPr lvl="1"/>
             <a:r>
-              <a:rPr lang="en-US" smtClean="0"/>
+              <a:rPr lang="en-US"/>
               <a:t>Second level</a:t>
             </a:r>
           </a:p>
           <a:p>
             <a:pPr lvl="2"/>
             <a:r>
-              <a:rPr lang="en-US" smtClean="0"/>
+              <a:rPr lang="en-US"/>
               <a:t>Third level</a:t>
             </a:r>
           </a:p>
           <a:p>
             <a:pPr lvl="3"/>
             <a:r>
-              <a:rPr lang="en-US" smtClean="0"/>
+              <a:rPr lang="en-US"/>
               <a:t>Fourth level</a:t>
             </a:r>
           </a:p>
           <a:p>
             <a:pPr lvl="4"/>
             <a:r>
-              <a:rPr lang="en-US" smtClean="0"/>
+              <a:rPr lang="en-US"/>
               <a:t>Fifth level</a:t>
             </a:r>
-            <a:endParaRPr lang="en-US"/>
           </a:p>
         </p:txBody>
       </p:sp>
@@ -1184,38 +1178,37 @@
           <a:p>
             <a:pPr lvl="0"/>
             <a:r>
-              <a:rPr lang="en-US" smtClean="0"/>
+              <a:rPr lang="en-US"/>
               <a:t>Edit Master text styles</a:t>
             </a:r>
           </a:p>
           <a:p>
             <a:pPr lvl="1"/>
             <a:r>
-              <a:rPr lang="en-US" smtClean="0"/>
+              <a:rPr lang="en-US"/>
               <a:t>Second level</a:t>
             </a:r>
           </a:p>
           <a:p>
             <a:pPr lvl="2"/>
             <a:r>
-              <a:rPr lang="en-US" smtClean="0"/>
+              <a:rPr lang="en-US"/>
               <a:t>Third level</a:t>
             </a:r>
           </a:p>
           <a:p>
             <a:pPr lvl="3"/>
             <a:r>
-              <a:rPr lang="en-US" smtClean="0"/>
+              <a:rPr lang="en-US"/>
               <a:t>Fourth level</a:t>
             </a:r>
           </a:p>
           <a:p>
             <a:pPr lvl="4"/>
             <a:r>
-              <a:rPr lang="en-US" smtClean="0"/>
+              <a:rPr lang="en-US"/>
               <a:t>Fifth level</a:t>
             </a:r>
-            <a:endParaRPr lang="en-US"/>
           </a:p>
         </p:txBody>
       </p:sp>
@@ -1335,10 +1328,9 @@
           <a:lstStyle/>
           <a:p>
             <a:r>
-              <a:rPr lang="en-US" smtClean="0"/>
+              <a:rPr lang="en-US"/>
               <a:t>Click to edit Master title style</a:t>
             </a:r>
-            <a:endParaRPr lang="en-US"/>
           </a:p>
         </p:txBody>
       </p:sp>
@@ -1401,7 +1393,7 @@
           <a:p>
             <a:pPr lvl="0"/>
             <a:r>
-              <a:rPr lang="en-US" smtClean="0"/>
+              <a:rPr lang="en-US"/>
               <a:t>Edit Master text styles</a:t>
             </a:r>
           </a:p>
@@ -1429,38 +1421,37 @@
           <a:p>
             <a:pPr lvl="0"/>
             <a:r>
-              <a:rPr lang="en-US" smtClean="0"/>
+              <a:rPr lang="en-US"/>
               <a:t>Edit Master text styles</a:t>
             </a:r>
           </a:p>
           <a:p>
             <a:pPr lvl="1"/>
             <a:r>
-              <a:rPr lang="en-US" smtClean="0"/>
+              <a:rPr lang="en-US"/>
               <a:t>Second level</a:t>
             </a:r>
           </a:p>
           <a:p>
             <a:pPr lvl="2"/>
             <a:r>
-              <a:rPr lang="en-US" smtClean="0"/>
+              <a:rPr lang="en-US"/>
               <a:t>Third level</a:t>
             </a:r>
           </a:p>
           <a:p>
             <a:pPr lvl="3"/>
             <a:r>
-              <a:rPr lang="en-US" smtClean="0"/>
+              <a:rPr lang="en-US"/>
               <a:t>Fourth level</a:t>
             </a:r>
           </a:p>
           <a:p>
             <a:pPr lvl="4"/>
             <a:r>
-              <a:rPr lang="en-US" smtClean="0"/>
+              <a:rPr lang="en-US"/>
               <a:t>Fifth level</a:t>
             </a:r>
-            <a:endParaRPr lang="en-US"/>
           </a:p>
         </p:txBody>
       </p:sp>
@@ -1523,7 +1514,7 @@
           <a:p>
             <a:pPr lvl="0"/>
             <a:r>
-              <a:rPr lang="en-US" smtClean="0"/>
+              <a:rPr lang="en-US"/>
               <a:t>Edit Master text styles</a:t>
             </a:r>
           </a:p>
@@ -1551,38 +1542,37 @@
           <a:p>
             <a:pPr lvl="0"/>
             <a:r>
-              <a:rPr lang="en-US" smtClean="0"/>
+              <a:rPr lang="en-US"/>
               <a:t>Edit Master text styles</a:t>
             </a:r>
           </a:p>
           <a:p>
             <a:pPr lvl="1"/>
             <a:r>
-              <a:rPr lang="en-US" smtClean="0"/>
+              <a:rPr lang="en-US"/>
               <a:t>Second level</a:t>
             </a:r>
           </a:p>
           <a:p>
             <a:pPr lvl="2"/>
             <a:r>
-              <a:rPr lang="en-US" smtClean="0"/>
+              <a:rPr lang="en-US"/>
               <a:t>Third level</a:t>
             </a:r>
           </a:p>
           <a:p>
             <a:pPr lvl="3"/>
             <a:r>
-              <a:rPr lang="en-US" smtClean="0"/>
+              <a:rPr lang="en-US"/>
               <a:t>Fourth level</a:t>
             </a:r>
           </a:p>
           <a:p>
             <a:pPr lvl="4"/>
             <a:r>
-              <a:rPr lang="en-US" smtClean="0"/>
+              <a:rPr lang="en-US"/>
               <a:t>Fifth level</a:t>
             </a:r>
-            <a:endParaRPr lang="en-US"/>
           </a:p>
         </p:txBody>
       </p:sp>
@@ -1697,10 +1687,9 @@
           <a:lstStyle/>
           <a:p>
             <a:r>
-              <a:rPr lang="en-US" smtClean="0"/>
+              <a:rPr lang="en-US"/>
               <a:t>Click to edit Master title style</a:t>
             </a:r>
-            <a:endParaRPr lang="en-US"/>
           </a:p>
         </p:txBody>
       </p:sp>
@@ -1919,10 +1908,9 @@
           </a:lstStyle>
           <a:p>
             <a:r>
-              <a:rPr lang="en-US" smtClean="0"/>
+              <a:rPr lang="en-US"/>
               <a:t>Click to edit Master title style</a:t>
             </a:r>
-            <a:endParaRPr lang="en-US"/>
           </a:p>
         </p:txBody>
       </p:sp>
@@ -1976,38 +1964,37 @@
           <a:p>
             <a:pPr lvl="0"/>
             <a:r>
-              <a:rPr lang="en-US" smtClean="0"/>
+              <a:rPr lang="en-US"/>
               <a:t>Edit Master text styles</a:t>
             </a:r>
           </a:p>
           <a:p>
             <a:pPr lvl="1"/>
             <a:r>
-              <a:rPr lang="en-US" smtClean="0"/>
+              <a:rPr lang="en-US"/>
               <a:t>Second level</a:t>
             </a:r>
           </a:p>
           <a:p>
             <a:pPr lvl="2"/>
             <a:r>
-              <a:rPr lang="en-US" smtClean="0"/>
+              <a:rPr lang="en-US"/>
               <a:t>Third level</a:t>
             </a:r>
           </a:p>
           <a:p>
             <a:pPr lvl="3"/>
             <a:r>
-              <a:rPr lang="en-US" smtClean="0"/>
+              <a:rPr lang="en-US"/>
               <a:t>Fourth level</a:t>
             </a:r>
           </a:p>
           <a:p>
             <a:pPr lvl="4"/>
             <a:r>
-              <a:rPr lang="en-US" smtClean="0"/>
+              <a:rPr lang="en-US"/>
               <a:t>Fifth level</a:t>
             </a:r>
-            <a:endParaRPr lang="en-US"/>
           </a:p>
         </p:txBody>
       </p:sp>
@@ -2070,7 +2057,7 @@
           <a:p>
             <a:pPr lvl="0"/>
             <a:r>
-              <a:rPr lang="en-US" smtClean="0"/>
+              <a:rPr lang="en-US"/>
               <a:t>Edit Master text styles</a:t>
             </a:r>
           </a:p>
@@ -2196,10 +2183,9 @@
           </a:lstStyle>
           <a:p>
             <a:r>
-              <a:rPr lang="en-US" smtClean="0"/>
+              <a:rPr lang="en-US"/>
               <a:t>Click to edit Master title style</a:t>
             </a:r>
-            <a:endParaRPr lang="en-US"/>
           </a:p>
         </p:txBody>
       </p:sp>
@@ -2323,7 +2309,7 @@
           <a:p>
             <a:pPr lvl="0"/>
             <a:r>
-              <a:rPr lang="en-US" smtClean="0"/>
+              <a:rPr lang="en-US"/>
               <a:t>Edit Master text styles</a:t>
             </a:r>
           </a:p>
@@ -2455,10 +2441,9 @@
           <a:lstStyle/>
           <a:p>
             <a:r>
-              <a:rPr lang="en-US" smtClean="0"/>
+              <a:rPr lang="en-US"/>
               <a:t>Click to edit Master title style</a:t>
             </a:r>
-            <a:endParaRPr lang="en-US"/>
           </a:p>
         </p:txBody>
       </p:sp>
@@ -2489,38 +2474,37 @@
           <a:p>
             <a:pPr lvl="0"/>
             <a:r>
-              <a:rPr lang="en-US" smtClean="0"/>
+              <a:rPr lang="en-US"/>
               <a:t>Edit Master text styles</a:t>
             </a:r>
           </a:p>
           <a:p>
             <a:pPr lvl="1"/>
             <a:r>
-              <a:rPr lang="en-US" smtClean="0"/>
+              <a:rPr lang="en-US"/>
               <a:t>Second level</a:t>
             </a:r>
           </a:p>
           <a:p>
             <a:pPr lvl="2"/>
             <a:r>
-              <a:rPr lang="en-US" smtClean="0"/>
+              <a:rPr lang="en-US"/>
               <a:t>Third level</a:t>
             </a:r>
           </a:p>
           <a:p>
             <a:pPr lvl="3"/>
             <a:r>
-              <a:rPr lang="en-US" smtClean="0"/>
+              <a:rPr lang="en-US"/>
               <a:t>Fourth level</a:t>
             </a:r>
           </a:p>
           <a:p>
             <a:pPr lvl="4"/>
             <a:r>
-              <a:rPr lang="en-US" smtClean="0"/>
+              <a:rPr lang="en-US"/>
               <a:t>Fifth level</a:t>
             </a:r>
-            <a:endParaRPr lang="en-US"/>
           </a:p>
         </p:txBody>
       </p:sp>
@@ -2972,8 +2956,8 @@
         </p:nvSpPr>
         <p:spPr>
           <a:xfrm>
-            <a:off x="1463040" y="1463772"/>
-            <a:ext cx="2112264" cy="2084100"/>
+            <a:off x="4543591" y="1348360"/>
+            <a:ext cx="2851508" cy="2813487"/>
           </a:xfrm>
           <a:prstGeom prst="ellipse">
             <a:avLst/>
@@ -2999,16 +2983,12 @@
           </a:fontRef>
         </p:style>
         <p:txBody>
-          <a:bodyPr rtlCol="0" anchor="ctr">
-            <a:prstTxWarp prst="textPlain">
-              <a:avLst/>
-            </a:prstTxWarp>
-          </a:bodyPr>
+          <a:bodyPr rtlCol="0" anchor="ctr"/>
           <a:lstStyle/>
           <a:p>
             <a:pPr algn="ctr"/>
             <a:r>
-              <a:rPr lang="en-US" sz="1600" b="1" dirty="0" smtClean="0">
+              <a:rPr lang="zh-CN" altLang="en-US" sz="13800" b="1" dirty="0">
                 <a:ln w="0"/>
                 <a:solidFill>
                   <a:schemeClr val="tx1">
@@ -3023,10 +3003,12 @@
                     </a:schemeClr>
                   </a:outerShdw>
                 </a:effectLst>
+                <a:latin typeface="微软雅黑" panose="020B0503020204020204" pitchFamily="34" charset="-122"/>
+                <a:ea typeface="微软雅黑" panose="020B0503020204020204" pitchFamily="34" charset="-122"/>
               </a:rPr>
-              <a:t>YW</a:t>
-            </a:r>
-            <a:endParaRPr lang="en-US" sz="1600" b="1" dirty="0">
+              <a:t>王</a:t>
+            </a:r>
+            <a:endParaRPr lang="en-US" sz="13800" b="1" dirty="0">
               <a:ln w="0"/>
               <a:solidFill>
                 <a:schemeClr val="tx1">
@@ -3041,6 +3023,8 @@
                   </a:schemeClr>
                 </a:outerShdw>
               </a:effectLst>
+              <a:latin typeface="微软雅黑" panose="020B0503020204020204" pitchFamily="34" charset="-122"/>
+              <a:ea typeface="微软雅黑" panose="020B0503020204020204" pitchFamily="34" charset="-122"/>
             </a:endParaRPr>
           </a:p>
         </p:txBody>
